--- a/中越詩歌/榮耀歸主名_Vinh danh thay Jê-sus.pptx
+++ b/中越詩歌/榮耀歸主名_Vinh danh thay Jê-sus.pptx
@@ -132,6 +132,11 @@
       </a:defRPr>
     </a:lvl9pPr>
   </p:defaultTextStyle>
+  <p:extLst>
+    <p:ext uri="{EFAFB233-063F-42B5-8137-9DF3F51BA10A}">
+      <p15:sldGuideLst xmlns:p15="http://schemas.microsoft.com/office/powerpoint/2012/main"/>
+    </p:ext>
+  </p:extLst>
 </p:presentation>
 </file>
 
@@ -316,7 +321,7 @@
           <a:p>
             <a:fld id="{EBC3F0EA-C276-4A88-8A41-A159B8BAB9B6}" type="datetimeFigureOut">
               <a:rPr lang="vi-VN" smtClean="0"/>
-              <a:t>12/02/2022</a:t>
+              <a:t>04/04/2023</a:t>
             </a:fld>
             <a:endParaRPr lang="vi-VN"/>
           </a:p>
@@ -486,7 +491,7 @@
           <a:p>
             <a:fld id="{EBC3F0EA-C276-4A88-8A41-A159B8BAB9B6}" type="datetimeFigureOut">
               <a:rPr lang="vi-VN" smtClean="0"/>
-              <a:t>12/02/2022</a:t>
+              <a:t>04/04/2023</a:t>
             </a:fld>
             <a:endParaRPr lang="vi-VN"/>
           </a:p>
@@ -666,7 +671,7 @@
           <a:p>
             <a:fld id="{EBC3F0EA-C276-4A88-8A41-A159B8BAB9B6}" type="datetimeFigureOut">
               <a:rPr lang="vi-VN" smtClean="0"/>
-              <a:t>12/02/2022</a:t>
+              <a:t>04/04/2023</a:t>
             </a:fld>
             <a:endParaRPr lang="vi-VN"/>
           </a:p>
@@ -836,7 +841,7 @@
           <a:p>
             <a:fld id="{EBC3F0EA-C276-4A88-8A41-A159B8BAB9B6}" type="datetimeFigureOut">
               <a:rPr lang="vi-VN" smtClean="0"/>
-              <a:t>12/02/2022</a:t>
+              <a:t>04/04/2023</a:t>
             </a:fld>
             <a:endParaRPr lang="vi-VN"/>
           </a:p>
@@ -1082,7 +1087,7 @@
           <a:p>
             <a:fld id="{EBC3F0EA-C276-4A88-8A41-A159B8BAB9B6}" type="datetimeFigureOut">
               <a:rPr lang="vi-VN" smtClean="0"/>
-              <a:t>12/02/2022</a:t>
+              <a:t>04/04/2023</a:t>
             </a:fld>
             <a:endParaRPr lang="vi-VN"/>
           </a:p>
@@ -1370,7 +1375,7 @@
           <a:p>
             <a:fld id="{EBC3F0EA-C276-4A88-8A41-A159B8BAB9B6}" type="datetimeFigureOut">
               <a:rPr lang="vi-VN" smtClean="0"/>
-              <a:t>12/02/2022</a:t>
+              <a:t>04/04/2023</a:t>
             </a:fld>
             <a:endParaRPr lang="vi-VN"/>
           </a:p>
@@ -1792,7 +1797,7 @@
           <a:p>
             <a:fld id="{EBC3F0EA-C276-4A88-8A41-A159B8BAB9B6}" type="datetimeFigureOut">
               <a:rPr lang="vi-VN" smtClean="0"/>
-              <a:t>12/02/2022</a:t>
+              <a:t>04/04/2023</a:t>
             </a:fld>
             <a:endParaRPr lang="vi-VN"/>
           </a:p>
@@ -1910,7 +1915,7 @@
           <a:p>
             <a:fld id="{EBC3F0EA-C276-4A88-8A41-A159B8BAB9B6}" type="datetimeFigureOut">
               <a:rPr lang="vi-VN" smtClean="0"/>
-              <a:t>12/02/2022</a:t>
+              <a:t>04/04/2023</a:t>
             </a:fld>
             <a:endParaRPr lang="vi-VN"/>
           </a:p>
@@ -2005,7 +2010,7 @@
           <a:p>
             <a:fld id="{EBC3F0EA-C276-4A88-8A41-A159B8BAB9B6}" type="datetimeFigureOut">
               <a:rPr lang="vi-VN" smtClean="0"/>
-              <a:t>12/02/2022</a:t>
+              <a:t>04/04/2023</a:t>
             </a:fld>
             <a:endParaRPr lang="vi-VN"/>
           </a:p>
@@ -2282,7 +2287,7 @@
           <a:p>
             <a:fld id="{EBC3F0EA-C276-4A88-8A41-A159B8BAB9B6}" type="datetimeFigureOut">
               <a:rPr lang="vi-VN" smtClean="0"/>
-              <a:t>12/02/2022</a:t>
+              <a:t>04/04/2023</a:t>
             </a:fld>
             <a:endParaRPr lang="vi-VN"/>
           </a:p>
@@ -2539,7 +2544,7 @@
           <a:p>
             <a:fld id="{EBC3F0EA-C276-4A88-8A41-A159B8BAB9B6}" type="datetimeFigureOut">
               <a:rPr lang="vi-VN" smtClean="0"/>
-              <a:t>12/02/2022</a:t>
+              <a:t>04/04/2023</a:t>
             </a:fld>
             <a:endParaRPr lang="vi-VN"/>
           </a:p>
@@ -2757,7 +2762,7 @@
           <a:p>
             <a:fld id="{EBC3F0EA-C276-4A88-8A41-A159B8BAB9B6}" type="datetimeFigureOut">
               <a:rPr lang="vi-VN" smtClean="0"/>
-              <a:t>12/02/2022</a:t>
+              <a:t>04/04/2023</a:t>
             </a:fld>
             <a:endParaRPr lang="vi-VN"/>
           </a:p>
@@ -3169,24 +3174,7 @@
                 <a:latin typeface="微軟正黑體" pitchFamily="34" charset="-120"/>
                 <a:ea typeface="微軟正黑體" pitchFamily="34" charset="-120"/>
               </a:rPr>
-              <a:t>榮</a:t>
-            </a:r>
-            <a:r>
-              <a:rPr lang="zh-CN" altLang="en-US" sz="7200" b="1" i="1" dirty="0">
-                <a:solidFill>
-                  <a:srgbClr val="660033"/>
-                </a:solidFill>
-                <a:effectLst>
-                  <a:outerShdw blurRad="38100" dist="38100" dir="2700000" algn="tl">
-                    <a:srgbClr val="000000">
-                      <a:alpha val="43137"/>
-                    </a:srgbClr>
-                  </a:outerShdw>
-                </a:effectLst>
-                <a:latin typeface="微軟正黑體" pitchFamily="34" charset="-120"/>
-                <a:ea typeface="微軟正黑體" pitchFamily="34" charset="-120"/>
-              </a:rPr>
-              <a:t>耀歸主名</a:t>
+              <a:t>榮耀歸主名</a:t>
             </a:r>
             <a:endParaRPr lang="zh-TW" altLang="en-US" sz="7200" b="1" i="1" dirty="0">
               <a:solidFill>
@@ -3568,15 +3556,13 @@
                 <a:solidFill>
                   <a:srgbClr val="660033"/>
                 </a:solidFill>
-                <a:effectLst/>
               </a:rPr>
-              <a:t>( 2 )</a:t>
+              <a:t>( 2 / 4 )</a:t>
             </a:r>
             <a:endParaRPr lang="vi-VN" sz="4267" b="1" dirty="0">
               <a:solidFill>
                 <a:srgbClr val="660033"/>
               </a:solidFill>
-              <a:effectLst/>
             </a:endParaRPr>
           </a:p>
         </p:txBody>
@@ -3870,15 +3856,13 @@
                 <a:solidFill>
                   <a:srgbClr val="660033"/>
                 </a:solidFill>
-                <a:effectLst/>
               </a:rPr>
-              <a:t>( 2 )</a:t>
+              <a:t>( 2 / 4 )</a:t>
             </a:r>
             <a:endParaRPr lang="vi-VN" sz="4267" b="1" dirty="0">
               <a:solidFill>
                 <a:srgbClr val="660033"/>
               </a:solidFill>
-              <a:effectLst/>
             </a:endParaRPr>
           </a:p>
         </p:txBody>
@@ -4172,15 +4156,13 @@
                 <a:solidFill>
                   <a:srgbClr val="660033"/>
                 </a:solidFill>
-                <a:effectLst/>
               </a:rPr>
-              <a:t>( 2 )</a:t>
+              <a:t>( 2 / 4 )</a:t>
             </a:r>
             <a:endParaRPr lang="vi-VN" sz="4267" b="1" dirty="0">
               <a:solidFill>
                 <a:srgbClr val="660033"/>
               </a:solidFill>
-              <a:effectLst/>
             </a:endParaRPr>
           </a:p>
         </p:txBody>
@@ -4724,31 +4706,7 @@
                 <a:ea typeface="微軟正黑體" pitchFamily="34" charset="-120"/>
                 <a:cs typeface="Calibri" panose="020F0502020204030204" pitchFamily="34" charset="0"/>
               </a:rPr>
-              <a:t>Bởi huyết Chiên Con </a:t>
-            </a:r>
-            <a:r>
-              <a:rPr lang="vi-VN" sz="4400" b="1" dirty="0">
-                <a:solidFill>
-                  <a:srgbClr val="000066"/>
-                </a:solidFill>
-                <a:effectLst/>
-                <a:latin typeface="Calibri" panose="020F0502020204030204" pitchFamily="34" charset="0"/>
-                <a:ea typeface="微軟正黑體" pitchFamily="34" charset="-120"/>
-                <a:cs typeface="Calibri" panose="020F0502020204030204" pitchFamily="34" charset="0"/>
-              </a:rPr>
-              <a:t>tôi </a:t>
-            </a:r>
-            <a:r>
-              <a:rPr lang="vi-VN" sz="4400" b="1" dirty="0">
-                <a:solidFill>
-                  <a:srgbClr val="000066"/>
-                </a:solidFill>
-                <a:effectLst/>
-                <a:latin typeface="Calibri" panose="020F0502020204030204" pitchFamily="34" charset="0"/>
-                <a:ea typeface="微軟正黑體" pitchFamily="34" charset="-120"/>
-                <a:cs typeface="Calibri" panose="020F0502020204030204" pitchFamily="34" charset="0"/>
-              </a:rPr>
-              <a:t>thanh sạch, an bình</a:t>
+              <a:t>Bởi huyết Chiên Con tôi thanh sạch, an bình</a:t>
             </a:r>
             <a:endParaRPr lang="en-US" sz="4400" b="1" dirty="0">
               <a:solidFill>
@@ -5312,15 +5270,29 @@
                 <a:solidFill>
                   <a:srgbClr val="660033"/>
                 </a:solidFill>
-                <a:effectLst/>
               </a:rPr>
-              <a:t>( 3 )</a:t>
+              <a:t>( </a:t>
+            </a:r>
+            <a:r>
+              <a:rPr lang="en-US" sz="4267" b="1" dirty="0" smtClean="0">
+                <a:solidFill>
+                  <a:srgbClr val="660033"/>
+                </a:solidFill>
+              </a:rPr>
+              <a:t>3 </a:t>
+            </a:r>
+            <a:r>
+              <a:rPr lang="en-US" sz="4267" b="1" dirty="0">
+                <a:solidFill>
+                  <a:srgbClr val="660033"/>
+                </a:solidFill>
+              </a:rPr>
+              <a:t>/ 4 )</a:t>
             </a:r>
             <a:endParaRPr lang="vi-VN" sz="4267" b="1" dirty="0">
               <a:solidFill>
                 <a:srgbClr val="660033"/>
               </a:solidFill>
-              <a:effectLst/>
             </a:endParaRPr>
           </a:p>
         </p:txBody>
@@ -5614,15 +5586,13 @@
                 <a:solidFill>
                   <a:srgbClr val="660033"/>
                 </a:solidFill>
-                <a:effectLst/>
               </a:rPr>
-              <a:t>( 3 )</a:t>
+              <a:t>( 3 / 4 )</a:t>
             </a:r>
             <a:endParaRPr lang="vi-VN" sz="4267" b="1" dirty="0">
               <a:solidFill>
                 <a:srgbClr val="660033"/>
               </a:solidFill>
-              <a:effectLst/>
             </a:endParaRPr>
           </a:p>
         </p:txBody>
@@ -5916,15 +5886,13 @@
                 <a:solidFill>
                   <a:srgbClr val="660033"/>
                 </a:solidFill>
-                <a:effectLst/>
               </a:rPr>
-              <a:t>( 3 )</a:t>
+              <a:t>( 3 / 4 )</a:t>
             </a:r>
             <a:endParaRPr lang="vi-VN" sz="4267" b="1" dirty="0">
               <a:solidFill>
                 <a:srgbClr val="660033"/>
               </a:solidFill>
-              <a:effectLst/>
             </a:endParaRPr>
           </a:p>
         </p:txBody>
@@ -6218,15 +6186,13 @@
                 <a:solidFill>
                   <a:srgbClr val="660033"/>
                 </a:solidFill>
-                <a:effectLst/>
               </a:rPr>
-              <a:t>( 3 )</a:t>
+              <a:t>( 3 / 4 )</a:t>
             </a:r>
             <a:endParaRPr lang="vi-VN" sz="4267" b="1" dirty="0">
               <a:solidFill>
                 <a:srgbClr val="660033"/>
               </a:solidFill>
-              <a:effectLst/>
             </a:endParaRPr>
           </a:p>
         </p:txBody>
@@ -6522,7 +6488,25 @@
                 </a:solidFill>
                 <a:effectLst/>
               </a:rPr>
-              <a:t>( 1 )</a:t>
+              <a:t>( </a:t>
+            </a:r>
+            <a:r>
+              <a:rPr lang="en-US" sz="4267" b="1" dirty="0" smtClean="0">
+                <a:solidFill>
+                  <a:srgbClr val="660033"/>
+                </a:solidFill>
+                <a:effectLst/>
+              </a:rPr>
+              <a:t>1 / 4 </a:t>
+            </a:r>
+            <a:r>
+              <a:rPr lang="en-US" sz="4267" b="1" dirty="0">
+                <a:solidFill>
+                  <a:srgbClr val="660033"/>
+                </a:solidFill>
+                <a:effectLst/>
+              </a:rPr>
+              <a:t>)</a:t>
             </a:r>
             <a:endParaRPr lang="vi-VN" sz="4267" b="1" dirty="0">
               <a:solidFill>
@@ -7072,31 +7056,7 @@
                 <a:ea typeface="微軟正黑體" pitchFamily="34" charset="-120"/>
                 <a:cs typeface="Calibri" panose="020F0502020204030204" pitchFamily="34" charset="0"/>
               </a:rPr>
-              <a:t>Bởi huyết Chiên Con </a:t>
-            </a:r>
-            <a:r>
-              <a:rPr lang="vi-VN" sz="4400" b="1" dirty="0">
-                <a:solidFill>
-                  <a:srgbClr val="000066"/>
-                </a:solidFill>
-                <a:effectLst/>
-                <a:latin typeface="Calibri" panose="020F0502020204030204" pitchFamily="34" charset="0"/>
-                <a:ea typeface="微軟正黑體" pitchFamily="34" charset="-120"/>
-                <a:cs typeface="Calibri" panose="020F0502020204030204" pitchFamily="34" charset="0"/>
-              </a:rPr>
-              <a:t>tôi </a:t>
-            </a:r>
-            <a:r>
-              <a:rPr lang="vi-VN" sz="4400" b="1" dirty="0">
-                <a:solidFill>
-                  <a:srgbClr val="000066"/>
-                </a:solidFill>
-                <a:effectLst/>
-                <a:latin typeface="Calibri" panose="020F0502020204030204" pitchFamily="34" charset="0"/>
-                <a:ea typeface="微軟正黑體" pitchFamily="34" charset="-120"/>
-                <a:cs typeface="Calibri" panose="020F0502020204030204" pitchFamily="34" charset="0"/>
-              </a:rPr>
-              <a:t>thanh sạch, an bình</a:t>
+              <a:t>Bởi huyết Chiên Con tôi thanh sạch, an bình</a:t>
             </a:r>
             <a:endParaRPr lang="en-US" sz="4400" b="1" dirty="0">
               <a:solidFill>
@@ -7660,15 +7620,29 @@
                 <a:solidFill>
                   <a:srgbClr val="660033"/>
                 </a:solidFill>
-                <a:effectLst/>
               </a:rPr>
-              <a:t>( 4 )</a:t>
+              <a:t>( </a:t>
+            </a:r>
+            <a:r>
+              <a:rPr lang="en-US" sz="4267" b="1" dirty="0" smtClean="0">
+                <a:solidFill>
+                  <a:srgbClr val="660033"/>
+                </a:solidFill>
+              </a:rPr>
+              <a:t>4 </a:t>
+            </a:r>
+            <a:r>
+              <a:rPr lang="en-US" sz="4267" b="1" dirty="0">
+                <a:solidFill>
+                  <a:srgbClr val="660033"/>
+                </a:solidFill>
+              </a:rPr>
+              <a:t>/ 4 )</a:t>
             </a:r>
             <a:endParaRPr lang="vi-VN" sz="4267" b="1" dirty="0">
               <a:solidFill>
                 <a:srgbClr val="660033"/>
               </a:solidFill>
-              <a:effectLst/>
             </a:endParaRPr>
           </a:p>
         </p:txBody>
@@ -7962,15 +7936,13 @@
                 <a:solidFill>
                   <a:srgbClr val="660033"/>
                 </a:solidFill>
-                <a:effectLst/>
               </a:rPr>
-              <a:t>( 4 )</a:t>
+              <a:t>( 4 / 4 )</a:t>
             </a:r>
             <a:endParaRPr lang="vi-VN" sz="4267" b="1" dirty="0">
               <a:solidFill>
                 <a:srgbClr val="660033"/>
               </a:solidFill>
-              <a:effectLst/>
             </a:endParaRPr>
           </a:p>
         </p:txBody>
@@ -8264,15 +8236,13 @@
                 <a:solidFill>
                   <a:srgbClr val="660033"/>
                 </a:solidFill>
-                <a:effectLst/>
               </a:rPr>
-              <a:t>( 4 )</a:t>
+              <a:t>( 4 / 4 )</a:t>
             </a:r>
             <a:endParaRPr lang="vi-VN" sz="4267" b="1" dirty="0">
               <a:solidFill>
                 <a:srgbClr val="660033"/>
               </a:solidFill>
-              <a:effectLst/>
             </a:endParaRPr>
           </a:p>
         </p:txBody>
@@ -8566,15 +8536,13 @@
                 <a:solidFill>
                   <a:srgbClr val="660033"/>
                 </a:solidFill>
-                <a:effectLst/>
               </a:rPr>
-              <a:t>( 4 )</a:t>
+              <a:t>( 4 / 4 )</a:t>
             </a:r>
             <a:endParaRPr lang="vi-VN" sz="4267" b="1" dirty="0">
               <a:solidFill>
                 <a:srgbClr val="660033"/>
               </a:solidFill>
-              <a:effectLst/>
             </a:endParaRPr>
           </a:p>
         </p:txBody>
@@ -9118,31 +9086,7 @@
                 <a:ea typeface="微軟正黑體" pitchFamily="34" charset="-120"/>
                 <a:cs typeface="Calibri" panose="020F0502020204030204" pitchFamily="34" charset="0"/>
               </a:rPr>
-              <a:t>Bởi huyết Chiên Con </a:t>
-            </a:r>
-            <a:r>
-              <a:rPr lang="vi-VN" sz="4400" b="1" dirty="0">
-                <a:solidFill>
-                  <a:srgbClr val="000066"/>
-                </a:solidFill>
-                <a:effectLst/>
-                <a:latin typeface="Calibri" panose="020F0502020204030204" pitchFamily="34" charset="0"/>
-                <a:ea typeface="微軟正黑體" pitchFamily="34" charset="-120"/>
-                <a:cs typeface="Calibri" panose="020F0502020204030204" pitchFamily="34" charset="0"/>
-              </a:rPr>
-              <a:t>tôi </a:t>
-            </a:r>
-            <a:r>
-              <a:rPr lang="vi-VN" sz="4400" b="1" dirty="0">
-                <a:solidFill>
-                  <a:srgbClr val="000066"/>
-                </a:solidFill>
-                <a:effectLst/>
-                <a:latin typeface="Calibri" panose="020F0502020204030204" pitchFamily="34" charset="0"/>
-                <a:ea typeface="微軟正黑體" pitchFamily="34" charset="-120"/>
-                <a:cs typeface="Calibri" panose="020F0502020204030204" pitchFamily="34" charset="0"/>
-              </a:rPr>
-              <a:t>thanh sạch, an bình</a:t>
+              <a:t>Bởi huyết Chiên Con tôi thanh sạch, an bình</a:t>
             </a:r>
             <a:endParaRPr lang="en-US" sz="4400" b="1" dirty="0">
               <a:solidFill>
@@ -9706,15 +9650,13 @@
                 <a:solidFill>
                   <a:srgbClr val="660033"/>
                 </a:solidFill>
-                <a:effectLst/>
               </a:rPr>
-              <a:t>( 1 )</a:t>
+              <a:t>( 1 / 4 )</a:t>
             </a:r>
             <a:endParaRPr lang="vi-VN" sz="4267" b="1" dirty="0">
               <a:solidFill>
                 <a:srgbClr val="660033"/>
               </a:solidFill>
-              <a:effectLst/>
             </a:endParaRPr>
           </a:p>
         </p:txBody>
@@ -10008,15 +9950,13 @@
                 <a:solidFill>
                   <a:srgbClr val="660033"/>
                 </a:solidFill>
-                <a:effectLst/>
               </a:rPr>
-              <a:t>( 1 )</a:t>
+              <a:t>( 1 / 4 )</a:t>
             </a:r>
             <a:endParaRPr lang="vi-VN" sz="4267" b="1" dirty="0">
               <a:solidFill>
                 <a:srgbClr val="660033"/>
               </a:solidFill>
-              <a:effectLst/>
             </a:endParaRPr>
           </a:p>
         </p:txBody>
@@ -10310,15 +10250,13 @@
                 <a:solidFill>
                   <a:srgbClr val="660033"/>
                 </a:solidFill>
-                <a:effectLst/>
               </a:rPr>
-              <a:t>( 1 )</a:t>
+              <a:t>( 1 / 4 )</a:t>
             </a:r>
             <a:endParaRPr lang="vi-VN" sz="4267" b="1" dirty="0">
               <a:solidFill>
                 <a:srgbClr val="660033"/>
               </a:solidFill>
-              <a:effectLst/>
             </a:endParaRPr>
           </a:p>
         </p:txBody>
@@ -10862,31 +10800,7 @@
                 <a:ea typeface="微軟正黑體" pitchFamily="34" charset="-120"/>
                 <a:cs typeface="Calibri" panose="020F0502020204030204" pitchFamily="34" charset="0"/>
               </a:rPr>
-              <a:t>Bởi huyết Chiên Con </a:t>
-            </a:r>
-            <a:r>
-              <a:rPr lang="vi-VN" sz="4400" b="1" dirty="0">
-                <a:solidFill>
-                  <a:srgbClr val="000066"/>
-                </a:solidFill>
-                <a:effectLst/>
-                <a:latin typeface="Calibri" panose="020F0502020204030204" pitchFamily="34" charset="0"/>
-                <a:ea typeface="微軟正黑體" pitchFamily="34" charset="-120"/>
-                <a:cs typeface="Calibri" panose="020F0502020204030204" pitchFamily="34" charset="0"/>
-              </a:rPr>
-              <a:t>tôi </a:t>
-            </a:r>
-            <a:r>
-              <a:rPr lang="vi-VN" sz="4400" b="1" dirty="0">
-                <a:solidFill>
-                  <a:srgbClr val="000066"/>
-                </a:solidFill>
-                <a:effectLst/>
-                <a:latin typeface="Calibri" panose="020F0502020204030204" pitchFamily="34" charset="0"/>
-                <a:ea typeface="微軟正黑體" pitchFamily="34" charset="-120"/>
-                <a:cs typeface="Calibri" panose="020F0502020204030204" pitchFamily="34" charset="0"/>
-              </a:rPr>
-              <a:t>thanh sạch, an bình</a:t>
+              <a:t>Bởi huyết Chiên Con tôi thanh sạch, an bình</a:t>
             </a:r>
             <a:endParaRPr lang="en-US" sz="4400" b="1" dirty="0">
               <a:solidFill>
@@ -11408,7 +11322,31 @@
                 <a:ea typeface="微軟正黑體" pitchFamily="34" charset="-120"/>
                 <a:cs typeface="Calibri" panose="020F0502020204030204" pitchFamily="34" charset="0"/>
               </a:rPr>
-              <a:t>Chúa cứu tôi, ôi, ơn sâu rộng muôn trùng</a:t>
+              <a:t>Chúa cứu tôi, </a:t>
+            </a:r>
+            <a:r>
+              <a:rPr lang="vi-VN" sz="4400" b="1" dirty="0" smtClean="0">
+                <a:solidFill>
+                  <a:srgbClr val="000066"/>
+                </a:solidFill>
+                <a:effectLst/>
+                <a:latin typeface="Calibri" panose="020F0502020204030204" pitchFamily="34" charset="0"/>
+                <a:ea typeface="微軟正黑體" pitchFamily="34" charset="-120"/>
+                <a:cs typeface="Calibri" panose="020F0502020204030204" pitchFamily="34" charset="0"/>
+              </a:rPr>
+              <a:t>ôi </a:t>
+            </a:r>
+            <a:r>
+              <a:rPr lang="vi-VN" sz="4400" b="1" dirty="0">
+                <a:solidFill>
+                  <a:srgbClr val="000066"/>
+                </a:solidFill>
+                <a:effectLst/>
+                <a:latin typeface="Calibri" panose="020F0502020204030204" pitchFamily="34" charset="0"/>
+                <a:ea typeface="微軟正黑體" pitchFamily="34" charset="-120"/>
+                <a:cs typeface="Calibri" panose="020F0502020204030204" pitchFamily="34" charset="0"/>
+              </a:rPr>
+              <a:t>ơn sâu rộng muôn trùng</a:t>
             </a:r>
             <a:endParaRPr lang="en-US" sz="4400" b="1" dirty="0">
               <a:solidFill>
@@ -11450,15 +11388,29 @@
                 <a:solidFill>
                   <a:srgbClr val="660033"/>
                 </a:solidFill>
-                <a:effectLst/>
               </a:rPr>
-              <a:t>( 2 )</a:t>
+              <a:t>( </a:t>
+            </a:r>
+            <a:r>
+              <a:rPr lang="en-US" sz="4267" b="1" dirty="0" smtClean="0">
+                <a:solidFill>
+                  <a:srgbClr val="660033"/>
+                </a:solidFill>
+              </a:rPr>
+              <a:t>2 </a:t>
+            </a:r>
+            <a:r>
+              <a:rPr lang="en-US" sz="4267" b="1" dirty="0">
+                <a:solidFill>
+                  <a:srgbClr val="660033"/>
+                </a:solidFill>
+              </a:rPr>
+              <a:t>/ 4 )</a:t>
             </a:r>
             <a:endParaRPr lang="vi-VN" sz="4267" b="1" dirty="0">
               <a:solidFill>
                 <a:srgbClr val="660033"/>
               </a:solidFill>
-              <a:effectLst/>
             </a:endParaRPr>
           </a:p>
         </p:txBody>
